--- a/presentazione/holpoint.pptx
+++ b/presentazione/holpoint.pptx
@@ -3424,7 +3424,7 @@
           <a:lstStyle/>
           <a:p>
             <a:r>
-              <a:rPr lang="it-IT" sz="2000" dirty="0">
+              <a:rPr lang="it-IT" sz="1600" dirty="0">
                 <a:latin typeface="Roboto Light" panose="02000000000000000000" pitchFamily="2" charset="0"/>
                 <a:ea typeface="Roboto Light" panose="02000000000000000000" pitchFamily="2" charset="0"/>
               </a:rPr>
@@ -3433,21 +3433,21 @@
           </a:p>
           <a:p>
             <a:r>
-              <a:rPr lang="it-IT" sz="2000" dirty="0">
+              <a:rPr lang="it-IT" sz="1600" dirty="0">
                 <a:latin typeface="Roboto Light" panose="02000000000000000000" pitchFamily="2" charset="0"/>
                 <a:ea typeface="Roboto Light" panose="02000000000000000000" pitchFamily="2" charset="0"/>
                 <a:hlinkClick r:id="rId2"/>
               </a:rPr>
               <a:t>213808@studenti.unimore.it</a:t>
             </a:r>
-            <a:endParaRPr lang="it-IT" sz="2000" dirty="0">
+            <a:endParaRPr lang="it-IT" sz="1600" dirty="0">
               <a:latin typeface="Roboto Light" panose="02000000000000000000" pitchFamily="2" charset="0"/>
               <a:ea typeface="Roboto Light" panose="02000000000000000000" pitchFamily="2" charset="0"/>
             </a:endParaRPr>
           </a:p>
           <a:p>
             <a:r>
-              <a:rPr lang="it-IT" sz="2000" dirty="0">
+              <a:rPr lang="it-IT" sz="1600" dirty="0">
                 <a:latin typeface="Roboto Light" panose="02000000000000000000" pitchFamily="2" charset="0"/>
                 <a:ea typeface="Roboto Light" panose="02000000000000000000" pitchFamily="2" charset="0"/>
               </a:rPr>
@@ -3456,7 +3456,7 @@
           </a:p>
           <a:p>
             <a:r>
-              <a:rPr lang="it-IT" sz="2000" dirty="0">
+              <a:rPr lang="it-IT" sz="1600" dirty="0">
                 <a:latin typeface="Roboto Light" panose="02000000000000000000" pitchFamily="2" charset="0"/>
                 <a:ea typeface="Roboto Light" panose="02000000000000000000" pitchFamily="2" charset="0"/>
               </a:rPr>

--- a/presentazione/holpoint.pptx
+++ b/presentazione/holpoint.pptx
@@ -264,7 +264,7 @@
           <a:p>
             <a:fld id="{A3EAE288-CD0F-4874-A1DF-CBA377C17409}" type="datetimeFigureOut">
               <a:rPr lang="it-IT" smtClean="0"/>
-              <a:t>08/04/2020</a:t>
+              <a:t>13/04/2020</a:t>
             </a:fld>
             <a:endParaRPr lang="it-IT"/>
           </a:p>
@@ -462,7 +462,7 @@
           <a:p>
             <a:fld id="{A3EAE288-CD0F-4874-A1DF-CBA377C17409}" type="datetimeFigureOut">
               <a:rPr lang="it-IT" smtClean="0"/>
-              <a:t>08/04/2020</a:t>
+              <a:t>13/04/2020</a:t>
             </a:fld>
             <a:endParaRPr lang="it-IT"/>
           </a:p>
@@ -670,7 +670,7 @@
           <a:p>
             <a:fld id="{A3EAE288-CD0F-4874-A1DF-CBA377C17409}" type="datetimeFigureOut">
               <a:rPr lang="it-IT" smtClean="0"/>
-              <a:t>08/04/2020</a:t>
+              <a:t>13/04/2020</a:t>
             </a:fld>
             <a:endParaRPr lang="it-IT"/>
           </a:p>
@@ -868,7 +868,7 @@
           <a:p>
             <a:fld id="{A3EAE288-CD0F-4874-A1DF-CBA377C17409}" type="datetimeFigureOut">
               <a:rPr lang="it-IT" smtClean="0"/>
-              <a:t>08/04/2020</a:t>
+              <a:t>13/04/2020</a:t>
             </a:fld>
             <a:endParaRPr lang="it-IT"/>
           </a:p>
@@ -1143,7 +1143,7 @@
           <a:p>
             <a:fld id="{A3EAE288-CD0F-4874-A1DF-CBA377C17409}" type="datetimeFigureOut">
               <a:rPr lang="it-IT" smtClean="0"/>
-              <a:t>08/04/2020</a:t>
+              <a:t>13/04/2020</a:t>
             </a:fld>
             <a:endParaRPr lang="it-IT"/>
           </a:p>
@@ -1408,7 +1408,7 @@
           <a:p>
             <a:fld id="{A3EAE288-CD0F-4874-A1DF-CBA377C17409}" type="datetimeFigureOut">
               <a:rPr lang="it-IT" smtClean="0"/>
-              <a:t>08/04/2020</a:t>
+              <a:t>13/04/2020</a:t>
             </a:fld>
             <a:endParaRPr lang="it-IT"/>
           </a:p>
@@ -1820,7 +1820,7 @@
           <a:p>
             <a:fld id="{A3EAE288-CD0F-4874-A1DF-CBA377C17409}" type="datetimeFigureOut">
               <a:rPr lang="it-IT" smtClean="0"/>
-              <a:t>08/04/2020</a:t>
+              <a:t>13/04/2020</a:t>
             </a:fld>
             <a:endParaRPr lang="it-IT"/>
           </a:p>
@@ -1961,7 +1961,7 @@
           <a:p>
             <a:fld id="{A3EAE288-CD0F-4874-A1DF-CBA377C17409}" type="datetimeFigureOut">
               <a:rPr lang="it-IT" smtClean="0"/>
-              <a:t>08/04/2020</a:t>
+              <a:t>13/04/2020</a:t>
             </a:fld>
             <a:endParaRPr lang="it-IT"/>
           </a:p>
@@ -2074,7 +2074,7 @@
           <a:p>
             <a:fld id="{A3EAE288-CD0F-4874-A1DF-CBA377C17409}" type="datetimeFigureOut">
               <a:rPr lang="it-IT" smtClean="0"/>
-              <a:t>08/04/2020</a:t>
+              <a:t>13/04/2020</a:t>
             </a:fld>
             <a:endParaRPr lang="it-IT"/>
           </a:p>
@@ -2385,7 +2385,7 @@
           <a:p>
             <a:fld id="{A3EAE288-CD0F-4874-A1DF-CBA377C17409}" type="datetimeFigureOut">
               <a:rPr lang="it-IT" smtClean="0"/>
-              <a:t>08/04/2020</a:t>
+              <a:t>13/04/2020</a:t>
             </a:fld>
             <a:endParaRPr lang="it-IT"/>
           </a:p>
@@ -2673,7 +2673,7 @@
           <a:p>
             <a:fld id="{A3EAE288-CD0F-4874-A1DF-CBA377C17409}" type="datetimeFigureOut">
               <a:rPr lang="it-IT" smtClean="0"/>
-              <a:t>08/04/2020</a:t>
+              <a:t>13/04/2020</a:t>
             </a:fld>
             <a:endParaRPr lang="it-IT"/>
           </a:p>
@@ -2914,7 +2914,7 @@
           <a:p>
             <a:fld id="{A3EAE288-CD0F-4874-A1DF-CBA377C17409}" type="datetimeFigureOut">
               <a:rPr lang="it-IT" smtClean="0"/>
-              <a:t>08/04/2020</a:t>
+              <a:t>13/04/2020</a:t>
             </a:fld>
             <a:endParaRPr lang="it-IT"/>
           </a:p>
@@ -4195,6 +4195,21 @@
             </a:r>
             <a:r>
               <a:rPr lang="it-IT" dirty="0"/>
+              <a:t> Router</a:t>
+            </a:r>
+          </a:p>
+          <a:p>
+            <a:pPr>
+              <a:lnSpc>
+                <a:spcPct val="150000"/>
+              </a:lnSpc>
+            </a:pPr>
+            <a:r>
+              <a:rPr lang="it-IT" dirty="0" err="1"/>
+              <a:t>React</a:t>
+            </a:r>
+            <a:r>
+              <a:rPr lang="it-IT" dirty="0"/>
               <a:t> Bootstrap</a:t>
             </a:r>
           </a:p>

--- a/presentazione/holpoint.pptx
+++ b/presentazione/holpoint.pptx
@@ -11,6 +11,7 @@
     <p:sldId id="259" r:id="rId5"/>
     <p:sldId id="260" r:id="rId6"/>
     <p:sldId id="261" r:id="rId7"/>
+    <p:sldId id="262" r:id="rId8"/>
   </p:sldIdLst>
   <p:sldSz cx="12192000" cy="6858000"/>
   <p:notesSz cx="6858000" cy="9144000"/>
@@ -5118,6 +5119,203 @@
 </p:sld>
 </file>
 
+<file path=ppt/slides/slide7.xml><?xml version="1.0" encoding="utf-8"?>
+<p:sld xmlns:a="http://schemas.openxmlformats.org/drawingml/2006/main" xmlns:r="http://schemas.openxmlformats.org/officeDocument/2006/relationships" xmlns:p="http://schemas.openxmlformats.org/presentationml/2006/main">
+  <p:cSld>
+    <p:bg>
+      <p:bgPr>
+        <a:solidFill>
+          <a:srgbClr val="FFCB31"/>
+        </a:solidFill>
+        <a:effectLst/>
+      </p:bgPr>
+    </p:bg>
+    <p:spTree>
+      <p:nvGrpSpPr>
+        <p:cNvPr id="1" name=""/>
+        <p:cNvGrpSpPr/>
+        <p:nvPr/>
+      </p:nvGrpSpPr>
+      <p:grpSpPr>
+        <a:xfrm>
+          <a:off x="0" y="0"/>
+          <a:ext cx="0" cy="0"/>
+          <a:chOff x="0" y="0"/>
+          <a:chExt cx="0" cy="0"/>
+        </a:xfrm>
+      </p:grpSpPr>
+      <p:sp>
+        <p:nvSpPr>
+          <p:cNvPr id="8" name="Rettangolo 7">
+            <a:extLst>
+              <a:ext uri="{FF2B5EF4-FFF2-40B4-BE49-F238E27FC236}">
+                <a16:creationId xmlns:a16="http://schemas.microsoft.com/office/drawing/2014/main" id="{024DF87D-8FDF-40F8-A829-B0F1DB21862E}"/>
+              </a:ext>
+            </a:extLst>
+          </p:cNvPr>
+          <p:cNvSpPr/>
+          <p:nvPr/>
+        </p:nvSpPr>
+        <p:spPr>
+          <a:xfrm>
+            <a:off x="4900224" y="5104704"/>
+            <a:ext cx="6136616" cy="369332"/>
+          </a:xfrm>
+          <a:prstGeom prst="rect">
+            <a:avLst/>
+          </a:prstGeom>
+        </p:spPr>
+        <p:txBody>
+          <a:bodyPr wrap="none">
+            <a:spAutoFit/>
+          </a:bodyPr>
+          <a:lstStyle/>
+          <a:p>
+            <a:r>
+              <a:rPr lang="it-IT" dirty="0">
+                <a:latin typeface="Consolas" panose="020B0609020204030204" pitchFamily="49" charset="0"/>
+                <a:hlinkClick r:id="rId2"/>
+              </a:rPr>
+              <a:t>https://github.com/cristian-mercadante/HolPoint</a:t>
+            </a:r>
+            <a:endParaRPr lang="it-IT" dirty="0">
+              <a:latin typeface="Consolas" panose="020B0609020204030204" pitchFamily="49" charset="0"/>
+            </a:endParaRPr>
+          </a:p>
+        </p:txBody>
+      </p:sp>
+      <p:pic>
+        <p:nvPicPr>
+          <p:cNvPr id="16" name="Immagine 15" descr="Immagine che contiene segnale, sedendo, scuro, via&#10;&#10;Descrizione generata automaticamente">
+            <a:extLst>
+              <a:ext uri="{FF2B5EF4-FFF2-40B4-BE49-F238E27FC236}">
+                <a16:creationId xmlns:a16="http://schemas.microsoft.com/office/drawing/2014/main" id="{81BA406A-6FEA-4981-A81B-5CC4C5772CD8}"/>
+              </a:ext>
+            </a:extLst>
+          </p:cNvPr>
+          <p:cNvPicPr>
+            <a:picLocks noChangeAspect="1"/>
+          </p:cNvPicPr>
+          <p:nvPr/>
+        </p:nvPicPr>
+        <p:blipFill>
+          <a:blip r:embed="rId3">
+            <a:extLst>
+              <a:ext uri="{28A0092B-C50C-407E-A947-70E740481C1C}">
+                <a14:useLocalDpi xmlns:a14="http://schemas.microsoft.com/office/drawing/2010/main" val="0"/>
+              </a:ext>
+            </a:extLst>
+          </a:blip>
+          <a:stretch>
+            <a:fillRect/>
+          </a:stretch>
+        </p:blipFill>
+        <p:spPr>
+          <a:xfrm>
+            <a:off x="1155160" y="4593974"/>
+            <a:ext cx="3392178" cy="1390793"/>
+          </a:xfrm>
+          <a:prstGeom prst="rect">
+            <a:avLst/>
+          </a:prstGeom>
+        </p:spPr>
+      </p:pic>
+      <p:sp>
+        <p:nvSpPr>
+          <p:cNvPr id="18" name="Rettangolo 17">
+            <a:extLst>
+              <a:ext uri="{FF2B5EF4-FFF2-40B4-BE49-F238E27FC236}">
+                <a16:creationId xmlns:a16="http://schemas.microsoft.com/office/drawing/2014/main" id="{140039D6-57AF-483A-B3B8-99AC262B8650}"/>
+              </a:ext>
+            </a:extLst>
+          </p:cNvPr>
+          <p:cNvSpPr/>
+          <p:nvPr/>
+        </p:nvSpPr>
+        <p:spPr>
+          <a:xfrm>
+            <a:off x="4547338" y="3059668"/>
+            <a:ext cx="3097323" cy="369332"/>
+          </a:xfrm>
+          <a:prstGeom prst="rect">
+            <a:avLst/>
+          </a:prstGeom>
+        </p:spPr>
+        <p:txBody>
+          <a:bodyPr wrap="none">
+            <a:spAutoFit/>
+          </a:bodyPr>
+          <a:lstStyle/>
+          <a:p>
+            <a:r>
+              <a:rPr lang="it-IT" dirty="0">
+                <a:latin typeface="Consolas" panose="020B0609020204030204" pitchFamily="49" charset="0"/>
+                <a:hlinkClick r:id="rId4"/>
+              </a:rPr>
+              <a:t>https://holpoint.ns0.it</a:t>
+            </a:r>
+            <a:endParaRPr lang="it-IT" dirty="0">
+              <a:latin typeface="Consolas" panose="020B0609020204030204" pitchFamily="49" charset="0"/>
+            </a:endParaRPr>
+          </a:p>
+        </p:txBody>
+      </p:sp>
+      <p:pic>
+        <p:nvPicPr>
+          <p:cNvPr id="20" name="Immagine 19" descr="Immagine che contiene piatto, disegnando&#10;&#10;Descrizione generata automaticamente">
+            <a:extLst>
+              <a:ext uri="{FF2B5EF4-FFF2-40B4-BE49-F238E27FC236}">
+                <a16:creationId xmlns:a16="http://schemas.microsoft.com/office/drawing/2014/main" id="{7365AD11-AB2B-4014-907C-11E951ECCA6F}"/>
+              </a:ext>
+            </a:extLst>
+          </p:cNvPr>
+          <p:cNvPicPr>
+            <a:picLocks noChangeAspect="1"/>
+          </p:cNvPicPr>
+          <p:nvPr/>
+        </p:nvPicPr>
+        <p:blipFill>
+          <a:blip r:embed="rId5">
+            <a:extLst>
+              <a:ext uri="{28A0092B-C50C-407E-A947-70E740481C1C}">
+                <a14:useLocalDpi xmlns:a14="http://schemas.microsoft.com/office/drawing/2010/main" val="0"/>
+              </a:ext>
+            </a:extLst>
+          </a:blip>
+          <a:stretch>
+            <a:fillRect/>
+          </a:stretch>
+        </p:blipFill>
+        <p:spPr>
+          <a:xfrm>
+            <a:off x="5181600" y="818399"/>
+            <a:ext cx="1828800" cy="1828800"/>
+          </a:xfrm>
+          <a:prstGeom prst="rect">
+            <a:avLst/>
+          </a:prstGeom>
+          <a:effectLst>
+            <a:outerShdw blurRad="63500" sx="102000" sy="102000" algn="ctr" rotWithShape="0">
+              <a:prstClr val="black">
+                <a:alpha val="40000"/>
+              </a:prstClr>
+            </a:outerShdw>
+          </a:effectLst>
+        </p:spPr>
+      </p:pic>
+    </p:spTree>
+    <p:extLst>
+      <p:ext uri="{BB962C8B-B14F-4D97-AF65-F5344CB8AC3E}">
+        <p14:creationId xmlns:p14="http://schemas.microsoft.com/office/powerpoint/2010/main" val="2368151725"/>
+      </p:ext>
+    </p:extLst>
+  </p:cSld>
+  <p:clrMapOvr>
+    <a:masterClrMapping/>
+  </p:clrMapOvr>
+</p:sld>
+</file>
+
 <file path=ppt/theme/theme1.xml><?xml version="1.0" encoding="utf-8"?>
 <a:theme xmlns:a="http://schemas.openxmlformats.org/drawingml/2006/main" name="Tema di Office">
   <a:themeElements>
